--- a/5.Crypto/Cryptology2-Classic-Modular-Arith.pptx
+++ b/5.Crypto/Cryptology2-Classic-Modular-Arith.pptx
@@ -213,7 +213,7 @@
           <a:p>
             <a:fld id="{5E632E0F-5501-4F2B-B5AE-AC9FF1DEB234}" type="datetimeFigureOut">
               <a:rPr lang="en-US" smtClean="0"/>
-              <a:t>2/24/2020</a:t>
+              <a:t>11/25/2020</a:t>
             </a:fld>
             <a:endParaRPr lang="en-US"/>
           </a:p>
@@ -637,6 +637,204 @@
             <p:ph type="body" idx="1"/>
           </p:nvPr>
         </p:nvSpPr>
+        <p:spPr>
+          <a:xfrm>
+            <a:off x="685800" y="4400549"/>
+            <a:ext cx="5486400" cy="3713789"/>
+          </a:xfrm>
+        </p:spPr>
+        <p:txBody>
+          <a:bodyPr/>
+          <a:lstStyle/>
+          <a:p>
+            <a:r>
+              <a:rPr lang="en-US" dirty="0"/>
+              <a:t>The code in the top right is simple Python that incrementally tests numbers to see if they are multiplicative inverses.  The Python range(n) function returns a list of integers between 0 and n-1.  In our case n = 26, so it gives a list 0, 1, 2, …, 25.  The break statement causes the for loop to quit when it finds the inverse we seek, where a * </a:t>
+            </a:r>
+            <a:r>
+              <a:rPr lang="en-US" dirty="0" err="1"/>
+              <a:t>i</a:t>
+            </a:r>
+            <a:r>
+              <a:rPr lang="en-US" dirty="0"/>
+              <a:t> % n = 1</a:t>
+            </a:r>
+          </a:p>
+          <a:p>
+            <a:endParaRPr lang="en-US" dirty="0"/>
+          </a:p>
+          <a:p>
+            <a:r>
+              <a:rPr lang="en-US" dirty="0"/>
+              <a:t>The </a:t>
+            </a:r>
+            <a:r>
+              <a:rPr lang="en-US" dirty="0" err="1"/>
+              <a:t>findModInverse</a:t>
+            </a:r>
+            <a:r>
+              <a:rPr lang="en-US" dirty="0"/>
+              <a:t> function comes from “Cracking Codes with Python.”  It uses an interesting feature of Python called multiple assignment.  The line </a:t>
+            </a:r>
+            <a:br>
+              <a:rPr lang="en-US" dirty="0"/>
+            </a:br>
+            <a:r>
+              <a:rPr lang="en-US" dirty="0"/>
+              <a:t>u1, u2, u3 = 1, 0, a</a:t>
+            </a:r>
+            <a:br>
+              <a:rPr lang="en-US" dirty="0"/>
+            </a:br>
+            <a:r>
+              <a:rPr lang="en-US" dirty="0"/>
+              <a:t>is the same as</a:t>
+            </a:r>
+            <a:br>
+              <a:rPr lang="en-US" dirty="0"/>
+            </a:br>
+            <a:r>
+              <a:rPr lang="en-US" dirty="0"/>
+              <a:t>u1 = 1</a:t>
+            </a:r>
+            <a:br>
+              <a:rPr lang="en-US" dirty="0"/>
+            </a:br>
+            <a:r>
+              <a:rPr lang="en-US" dirty="0"/>
+              <a:t>u2 = 0</a:t>
+            </a:r>
+            <a:br>
+              <a:rPr lang="en-US" dirty="0"/>
+            </a:br>
+            <a:r>
+              <a:rPr lang="en-US" dirty="0"/>
+              <a:t>u3 = a</a:t>
+            </a:r>
+          </a:p>
+          <a:p>
+            <a:endParaRPr lang="en-US" dirty="0"/>
+          </a:p>
+          <a:p>
+            <a:r>
+              <a:rPr lang="en-US" dirty="0"/>
+              <a:t>Wikipedia has a nice explanation and a table showing several steps in the algorithm, as well as a mathematical proof. </a:t>
+            </a:r>
+            <a:r>
+              <a:rPr lang="en-US" dirty="0">
+                <a:hlinkClick r:id="rId3"/>
+              </a:rPr>
+              <a:t>https://en.wikipedia.org/wiki/Extended_Euclidean_algorithm</a:t>
+            </a:r>
+            <a:r>
+              <a:rPr lang="en-US" dirty="0"/>
+              <a:t>.  </a:t>
+            </a:r>
+          </a:p>
+          <a:p>
+            <a:endParaRPr lang="en-US" dirty="0"/>
+          </a:p>
+          <a:p>
+            <a:r>
+              <a:rPr lang="en-US" dirty="0"/>
+              <a:t>However, they didn’t give me any better feel for how the process works.  Instead, this lecture by Christoff </a:t>
+            </a:r>
+            <a:r>
+              <a:rPr lang="en-US" dirty="0" err="1"/>
+              <a:t>Paar</a:t>
+            </a:r>
+            <a:r>
+              <a:rPr lang="en-US" dirty="0"/>
+              <a:t> was great! </a:t>
+            </a:r>
+            <a:r>
+              <a:rPr lang="en-US" dirty="0">
+                <a:hlinkClick r:id="rId4"/>
+              </a:rPr>
+              <a:t>https://www.youtube.com/watch?v=fq6SXByItUI</a:t>
+            </a:r>
+            <a:r>
+              <a:rPr lang="en-US" dirty="0"/>
+              <a:t> </a:t>
+            </a:r>
+          </a:p>
+        </p:txBody>
+      </p:sp>
+      <p:sp>
+        <p:nvSpPr>
+          <p:cNvPr id="4" name="Slide Number Placeholder 3"/>
+          <p:cNvSpPr>
+            <a:spLocks noGrp="1"/>
+          </p:cNvSpPr>
+          <p:nvPr>
+            <p:ph type="sldNum" sz="quarter" idx="10"/>
+          </p:nvPr>
+        </p:nvSpPr>
+        <p:spPr/>
+        <p:txBody>
+          <a:bodyPr/>
+          <a:lstStyle/>
+          <a:p>
+            <a:fld id="{5CEE4049-D197-4118-BF97-B2C042C8F06E}" type="slidenum">
+              <a:rPr lang="en-US" smtClean="0"/>
+              <a:t>10</a:t>
+            </a:fld>
+            <a:endParaRPr lang="en-US"/>
+          </a:p>
+        </p:txBody>
+      </p:sp>
+    </p:spTree>
+    <p:extLst>
+      <p:ext uri="{BB962C8B-B14F-4D97-AF65-F5344CB8AC3E}">
+        <p14:creationId xmlns:p14="http://schemas.microsoft.com/office/powerpoint/2010/main" val="3440842352"/>
+      </p:ext>
+    </p:extLst>
+  </p:cSld>
+  <p:clrMapOvr>
+    <a:masterClrMapping/>
+  </p:clrMapOvr>
+</p:notes>
+</file>
+
+<file path=ppt/notesSlides/notesSlide11.xml><?xml version="1.0" encoding="utf-8"?>
+<p:notes xmlns:a="http://schemas.openxmlformats.org/drawingml/2006/main" xmlns:r="http://schemas.openxmlformats.org/officeDocument/2006/relationships" xmlns:p="http://schemas.openxmlformats.org/presentationml/2006/main">
+  <p:cSld>
+    <p:spTree>
+      <p:nvGrpSpPr>
+        <p:cNvPr id="1" name=""/>
+        <p:cNvGrpSpPr/>
+        <p:nvPr/>
+      </p:nvGrpSpPr>
+      <p:grpSpPr>
+        <a:xfrm>
+          <a:off x="0" y="0"/>
+          <a:ext cx="0" cy="0"/>
+          <a:chOff x="0" y="0"/>
+          <a:chExt cx="0" cy="0"/>
+        </a:xfrm>
+      </p:grpSpPr>
+      <p:sp>
+        <p:nvSpPr>
+          <p:cNvPr id="2" name="Slide Image Placeholder 1"/>
+          <p:cNvSpPr>
+            <a:spLocks noGrp="1" noRot="1" noChangeAspect="1"/>
+          </p:cNvSpPr>
+          <p:nvPr>
+            <p:ph type="sldImg"/>
+          </p:nvPr>
+        </p:nvSpPr>
+        <p:spPr/>
+      </p:sp>
+      <p:sp>
+        <p:nvSpPr>
+          <p:cNvPr id="3" name="Notes Placeholder 2"/>
+          <p:cNvSpPr>
+            <a:spLocks noGrp="1"/>
+          </p:cNvSpPr>
+          <p:nvPr>
+            <p:ph type="body" idx="1"/>
+          </p:nvPr>
+        </p:nvSpPr>
         <p:spPr/>
         <p:txBody>
           <a:bodyPr/>
@@ -700,7 +898,7 @@
 </p:notes>
 </file>
 
-<file path=ppt/notesSlides/notesSlide11.xml><?xml version="1.0" encoding="utf-8"?>
+<file path=ppt/notesSlides/notesSlide12.xml><?xml version="1.0" encoding="utf-8"?>
 <p:notes xmlns:a="http://schemas.openxmlformats.org/drawingml/2006/main" xmlns:r="http://schemas.openxmlformats.org/officeDocument/2006/relationships" xmlns:p="http://schemas.openxmlformats.org/presentationml/2006/main">
   <p:cSld>
     <p:spTree>
@@ -935,7 +1133,7 @@
 </p:notes>
 </file>
 
-<file path=ppt/notesSlides/notesSlide12.xml><?xml version="1.0" encoding="utf-8"?>
+<file path=ppt/notesSlides/notesSlide13.xml><?xml version="1.0" encoding="utf-8"?>
 <p:notes xmlns:a="http://schemas.openxmlformats.org/drawingml/2006/main" xmlns:r="http://schemas.openxmlformats.org/officeDocument/2006/relationships" xmlns:p="http://schemas.openxmlformats.org/presentationml/2006/main">
   <p:cSld>
     <p:spTree>
@@ -1260,7 +1458,7 @@
 </p:notes>
 </file>
 
-<file path=ppt/notesSlides/notesSlide13.xml><?xml version="1.0" encoding="utf-8"?>
+<file path=ppt/notesSlides/notesSlide14.xml><?xml version="1.0" encoding="utf-8"?>
 <p:notes xmlns:a="http://schemas.openxmlformats.org/drawingml/2006/main" xmlns:r="http://schemas.openxmlformats.org/officeDocument/2006/relationships" xmlns:p="http://schemas.openxmlformats.org/presentationml/2006/main">
   <p:cSld>
     <p:spTree>
@@ -2869,126 +3067,12 @@
             <p:ph type="body" idx="1"/>
           </p:nvPr>
         </p:nvSpPr>
-        <p:spPr>
-          <a:xfrm>
-            <a:off x="685800" y="4400549"/>
-            <a:ext cx="5486400" cy="3713789"/>
-          </a:xfrm>
-        </p:spPr>
+        <p:spPr/>
         <p:txBody>
           <a:bodyPr/>
           <a:lstStyle/>
           <a:p>
-            <a:r>
-              <a:rPr lang="en-US" dirty="0"/>
-              <a:t>The code in the top right is simple Python that incrementally tests numbers to see if they are multiplicative inverses.  The Python range(n) function returns a list of integers between 0 and n-1.  In our case n = 26, so it gives a list 0, 1, 2, …, 25.  The break statement causes the for loop to quit when it finds the inverse we seek, where a * </a:t>
-            </a:r>
-            <a:r>
-              <a:rPr lang="en-US" dirty="0" err="1"/>
-              <a:t>i</a:t>
-            </a:r>
-            <a:r>
-              <a:rPr lang="en-US" dirty="0"/>
-              <a:t> % n = 1</a:t>
-            </a:r>
-          </a:p>
-          <a:p>
-            <a:endParaRPr lang="en-US" dirty="0"/>
-          </a:p>
-          <a:p>
-            <a:r>
-              <a:rPr lang="en-US" dirty="0"/>
-              <a:t>The </a:t>
-            </a:r>
-            <a:r>
-              <a:rPr lang="en-US" dirty="0" err="1"/>
-              <a:t>findModInverse</a:t>
-            </a:r>
-            <a:r>
-              <a:rPr lang="en-US" dirty="0"/>
-              <a:t> function comes from “Cracking Codes with Python.”  It uses an interesting feature of Python called multiple assignment.  The line </a:t>
-            </a:r>
-            <a:br>
-              <a:rPr lang="en-US" dirty="0"/>
-            </a:br>
-            <a:r>
-              <a:rPr lang="en-US" dirty="0"/>
-              <a:t>u1, u2, u3 = 1, 0, a</a:t>
-            </a:r>
-            <a:br>
-              <a:rPr lang="en-US" dirty="0"/>
-            </a:br>
-            <a:r>
-              <a:rPr lang="en-US" dirty="0"/>
-              <a:t>is the same as</a:t>
-            </a:r>
-            <a:br>
-              <a:rPr lang="en-US" dirty="0"/>
-            </a:br>
-            <a:r>
-              <a:rPr lang="en-US" dirty="0"/>
-              <a:t>u1 = 1</a:t>
-            </a:r>
-            <a:br>
-              <a:rPr lang="en-US" dirty="0"/>
-            </a:br>
-            <a:r>
-              <a:rPr lang="en-US" dirty="0"/>
-              <a:t>u2 = 0</a:t>
-            </a:r>
-            <a:br>
-              <a:rPr lang="en-US" dirty="0"/>
-            </a:br>
-            <a:r>
-              <a:rPr lang="en-US" dirty="0"/>
-              <a:t>u3 = a</a:t>
-            </a:r>
-          </a:p>
-          <a:p>
-            <a:endParaRPr lang="en-US" dirty="0"/>
-          </a:p>
-          <a:p>
-            <a:r>
-              <a:rPr lang="en-US" dirty="0"/>
-              <a:t>Wikipedia has a nice explanation and a table showing several steps in the algorithm, as well as a mathematical proof. </a:t>
-            </a:r>
-            <a:r>
-              <a:rPr lang="en-US" dirty="0">
-                <a:hlinkClick r:id="rId3"/>
-              </a:rPr>
-              <a:t>https://en.wikipedia.org/wiki/Extended_Euclidean_algorithm</a:t>
-            </a:r>
-            <a:r>
-              <a:rPr lang="en-US" dirty="0"/>
-              <a:t>.  </a:t>
-            </a:r>
-          </a:p>
-          <a:p>
-            <a:endParaRPr lang="en-US" dirty="0"/>
-          </a:p>
-          <a:p>
-            <a:r>
-              <a:rPr lang="en-US" dirty="0"/>
-              <a:t>However, they didn’t give me any better feel for how the process works.  Instead, this lecture by Christoff </a:t>
-            </a:r>
-            <a:r>
-              <a:rPr lang="en-US" dirty="0" err="1"/>
-              <a:t>Paar</a:t>
-            </a:r>
-            <a:r>
-              <a:rPr lang="en-US" dirty="0"/>
-              <a:t> was great! </a:t>
-            </a:r>
-            <a:r>
-              <a:rPr lang="en-US" dirty="0">
-                <a:hlinkClick r:id="rId4"/>
-              </a:rPr>
-              <a:t>https://www.youtube.com/watch?v=fq6SXByItUI</a:t>
-            </a:r>
-            <a:r>
-              <a:rPr lang="en-US" dirty="0"/>
-              <a:t> </a:t>
-            </a:r>
+            <a:endParaRPr lang="en-US"/>
           </a:p>
         </p:txBody>
       </p:sp>
@@ -2999,7 +3083,7 @@
             <a:spLocks noGrp="1"/>
           </p:cNvSpPr>
           <p:nvPr>
-            <p:ph type="sldNum" sz="quarter" idx="10"/>
+            <p:ph type="sldNum" sz="quarter" idx="5"/>
           </p:nvPr>
         </p:nvSpPr>
         <p:spPr/>
@@ -3009,7 +3093,7 @@
           <a:p>
             <a:fld id="{5CEE4049-D197-4118-BF97-B2C042C8F06E}" type="slidenum">
               <a:rPr lang="en-US" smtClean="0"/>
-              <a:t>10</a:t>
+              <a:t>9</a:t>
             </a:fld>
             <a:endParaRPr lang="en-US"/>
           </a:p>
@@ -3018,7 +3102,7 @@
     </p:spTree>
     <p:extLst>
       <p:ext uri="{BB962C8B-B14F-4D97-AF65-F5344CB8AC3E}">
-        <p14:creationId xmlns:p14="http://schemas.microsoft.com/office/powerpoint/2010/main" val="3440842352"/>
+        <p14:creationId xmlns:p14="http://schemas.microsoft.com/office/powerpoint/2010/main" val="204869649"/>
       </p:ext>
     </p:extLst>
   </p:cSld>
@@ -3175,7 +3259,7 @@
           <a:p>
             <a:fld id="{1E435803-0E45-435F-A285-8660CEC62D1A}" type="datetimeFigureOut">
               <a:rPr lang="en-US" smtClean="0"/>
-              <a:t>2/24/2020</a:t>
+              <a:t>11/25/2020</a:t>
             </a:fld>
             <a:endParaRPr lang="en-US"/>
           </a:p>
@@ -3373,7 +3457,7 @@
           <a:p>
             <a:fld id="{1E435803-0E45-435F-A285-8660CEC62D1A}" type="datetimeFigureOut">
               <a:rPr lang="en-US" smtClean="0"/>
-              <a:t>2/24/2020</a:t>
+              <a:t>11/25/2020</a:t>
             </a:fld>
             <a:endParaRPr lang="en-US"/>
           </a:p>
@@ -3581,7 +3665,7 @@
           <a:p>
             <a:fld id="{1E435803-0E45-435F-A285-8660CEC62D1A}" type="datetimeFigureOut">
               <a:rPr lang="en-US" smtClean="0"/>
-              <a:t>2/24/2020</a:t>
+              <a:t>11/25/2020</a:t>
             </a:fld>
             <a:endParaRPr lang="en-US"/>
           </a:p>
@@ -3779,7 +3863,7 @@
           <a:p>
             <a:fld id="{1E435803-0E45-435F-A285-8660CEC62D1A}" type="datetimeFigureOut">
               <a:rPr lang="en-US" smtClean="0"/>
-              <a:t>2/24/2020</a:t>
+              <a:t>11/25/2020</a:t>
             </a:fld>
             <a:endParaRPr lang="en-US"/>
           </a:p>
@@ -4054,7 +4138,7 @@
           <a:p>
             <a:fld id="{1E435803-0E45-435F-A285-8660CEC62D1A}" type="datetimeFigureOut">
               <a:rPr lang="en-US" smtClean="0"/>
-              <a:t>2/24/2020</a:t>
+              <a:t>11/25/2020</a:t>
             </a:fld>
             <a:endParaRPr lang="en-US"/>
           </a:p>
@@ -4319,7 +4403,7 @@
           <a:p>
             <a:fld id="{1E435803-0E45-435F-A285-8660CEC62D1A}" type="datetimeFigureOut">
               <a:rPr lang="en-US" smtClean="0"/>
-              <a:t>2/24/2020</a:t>
+              <a:t>11/25/2020</a:t>
             </a:fld>
             <a:endParaRPr lang="en-US"/>
           </a:p>
@@ -4731,7 +4815,7 @@
           <a:p>
             <a:fld id="{1E435803-0E45-435F-A285-8660CEC62D1A}" type="datetimeFigureOut">
               <a:rPr lang="en-US" smtClean="0"/>
-              <a:t>2/24/2020</a:t>
+              <a:t>11/25/2020</a:t>
             </a:fld>
             <a:endParaRPr lang="en-US"/>
           </a:p>
@@ -4872,7 +4956,7 @@
           <a:p>
             <a:fld id="{1E435803-0E45-435F-A285-8660CEC62D1A}" type="datetimeFigureOut">
               <a:rPr lang="en-US" smtClean="0"/>
-              <a:t>2/24/2020</a:t>
+              <a:t>11/25/2020</a:t>
             </a:fld>
             <a:endParaRPr lang="en-US"/>
           </a:p>
@@ -4985,7 +5069,7 @@
           <a:p>
             <a:fld id="{1E435803-0E45-435F-A285-8660CEC62D1A}" type="datetimeFigureOut">
               <a:rPr lang="en-US" smtClean="0"/>
-              <a:t>2/24/2020</a:t>
+              <a:t>11/25/2020</a:t>
             </a:fld>
             <a:endParaRPr lang="en-US"/>
           </a:p>
@@ -5296,7 +5380,7 @@
           <a:p>
             <a:fld id="{1E435803-0E45-435F-A285-8660CEC62D1A}" type="datetimeFigureOut">
               <a:rPr lang="en-US" smtClean="0"/>
-              <a:t>2/24/2020</a:t>
+              <a:t>11/25/2020</a:t>
             </a:fld>
             <a:endParaRPr lang="en-US"/>
           </a:p>
@@ -5584,7 +5668,7 @@
           <a:p>
             <a:fld id="{1E435803-0E45-435F-A285-8660CEC62D1A}" type="datetimeFigureOut">
               <a:rPr lang="en-US" smtClean="0"/>
-              <a:t>2/24/2020</a:t>
+              <a:t>11/25/2020</a:t>
             </a:fld>
             <a:endParaRPr lang="en-US"/>
           </a:p>
@@ -5825,7 +5909,7 @@
           <a:p>
             <a:fld id="{1E435803-0E45-435F-A285-8660CEC62D1A}" type="datetimeFigureOut">
               <a:rPr lang="en-US" smtClean="0"/>
-              <a:t>2/24/2020</a:t>
+              <a:t>11/25/2020</a:t>
             </a:fld>
             <a:endParaRPr lang="en-US"/>
           </a:p>
@@ -6569,6 +6653,47 @@
           </a:prstGeom>
         </p:spPr>
       </p:pic>
+      <p:sp>
+        <p:nvSpPr>
+          <p:cNvPr id="4" name="TextBox 3">
+            <a:extLst>
+              <a:ext uri="{FF2B5EF4-FFF2-40B4-BE49-F238E27FC236}">
+                <a16:creationId xmlns:a16="http://schemas.microsoft.com/office/drawing/2014/main" id="{04DD64AC-C8F1-4443-9D99-9EF43CCD07DF}"/>
+              </a:ext>
+            </a:extLst>
+          </p:cNvPr>
+          <p:cNvSpPr txBox="1"/>
+          <p:nvPr/>
+        </p:nvSpPr>
+        <p:spPr>
+          <a:xfrm>
+            <a:off x="268779" y="5696290"/>
+            <a:ext cx="3172178" cy="307777"/>
+          </a:xfrm>
+          <a:prstGeom prst="rect">
+            <a:avLst/>
+          </a:prstGeom>
+          <a:noFill/>
+        </p:spPr>
+        <p:txBody>
+          <a:bodyPr wrap="square" rtlCol="0">
+            <a:spAutoFit/>
+          </a:bodyPr>
+          <a:lstStyle/>
+          <a:p>
+            <a:r>
+              <a:rPr lang="en-US" sz="1400" dirty="0">
+                <a:hlinkClick r:id="rId6"/>
+              </a:rPr>
+              <a:t>https://inventwithpython.com/cracking/</a:t>
+            </a:r>
+            <a:r>
+              <a:rPr lang="en-US" sz="1400" dirty="0"/>
+              <a:t> </a:t>
+            </a:r>
+          </a:p>
+        </p:txBody>
+      </p:sp>
     </p:spTree>
     <p:extLst>
       <p:ext uri="{BB962C8B-B14F-4D97-AF65-F5344CB8AC3E}">
@@ -6622,7 +6747,7 @@
           <a:p>
             <a:r>
               <a:rPr lang="en-US" dirty="0"/>
-              <a:t>A brief excursion in modular math</a:t>
+              <a:t>Modulo operator</a:t>
             </a:r>
           </a:p>
         </p:txBody>
@@ -6646,13 +6771,13 @@
         <p:spPr/>
         <p:txBody>
           <a:bodyPr>
-            <a:normAutofit fontScale="92500" lnSpcReduction="10000"/>
+            <a:normAutofit fontScale="85000" lnSpcReduction="20000"/>
           </a:bodyPr>
           <a:lstStyle/>
           <a:p>
             <a:r>
               <a:rPr lang="en-US" dirty="0"/>
-              <a:t>Definition of the modulo operation</a:t>
+              <a:t>Math Definition of the modulo operation</a:t>
             </a:r>
           </a:p>
           <a:p>
@@ -6666,37 +6791,34 @@
             <a:pPr lvl="1"/>
             <a:r>
               <a:rPr lang="en-US" dirty="0"/>
-              <a:t>a ≡ r mod m, if m divides a - r</a:t>
+              <a:t>a ≡ r mod m, if m divides a – r</a:t>
+            </a:r>
+          </a:p>
+          <a:p>
+            <a:r>
+              <a:rPr lang="en-US" dirty="0"/>
+              <a:t>Other Definition</a:t>
             </a:r>
           </a:p>
           <a:p>
             <a:pPr lvl="1"/>
             <a:r>
               <a:rPr lang="en-US" dirty="0"/>
-              <a:t>In other words, </a:t>
-            </a:r>
-            <a:r>
-              <a:rPr lang="en-US" dirty="0">
-                <a:highlight>
-                  <a:srgbClr val="FFFF00"/>
-                </a:highlight>
-              </a:rPr>
-              <a:t>divide r by m and a is the remainder</a:t>
+              <a:t>a = r mod m</a:t>
             </a:r>
           </a:p>
           <a:p>
             <a:pPr lvl="1"/>
             <a:r>
-              <a:rPr lang="en-US" dirty="0">
-                <a:highlight>
-                  <a:srgbClr val="FFFF00"/>
-                </a:highlight>
-              </a:rPr>
-              <a:t>n * m mod m (n is an integer) is always 0 </a:t>
-            </a:r>
-            <a:r>
-              <a:rPr lang="en-US" dirty="0"/>
-              <a:t>since m mod m is always 0 </a:t>
+              <a:rPr lang="en-US" dirty="0"/>
+              <a:t>a is the remainder when you divide r by m</a:t>
+            </a:r>
+          </a:p>
+          <a:p>
+            <a:pPr lvl="1"/>
+            <a:r>
+              <a:rPr lang="en-US" dirty="0"/>
+              <a:t>m mod m is always 0, so n * m mod m (n is an integer) is always 0</a:t>
             </a:r>
           </a:p>
           <a:p>
@@ -6813,8 +6935,8 @@
           </a:p>
         </p:txBody>
       </p:sp>
-      <mc:AlternateContent xmlns:mc="http://schemas.openxmlformats.org/markup-compatibility/2006" xmlns:a14="http://schemas.microsoft.com/office/drawing/2010/main">
-        <mc:Choice Requires="a14">
+      <mc:AlternateContent xmlns:mc="http://schemas.openxmlformats.org/markup-compatibility/2006">
+        <mc:Choice xmlns:a14="http://schemas.microsoft.com/office/drawing/2010/main" Requires="a14">
           <p:sp>
             <p:nvSpPr>
               <p:cNvPr id="3" name="Content Placeholder 2">
@@ -6939,14 +7061,14 @@
               </a:p>
               <a:p>
                 <a:r>
-                  <a:rPr lang="en-US" dirty="0"/>
+                  <a:rPr lang="en-US" u="sng" dirty="0"/>
                   <a:t>Multiplicative inverse for an element may or may not exist</a:t>
                 </a:r>
               </a:p>
             </p:txBody>
           </p:sp>
         </mc:Choice>
-        <mc:Fallback xmlns="">
+        <mc:Fallback>
           <p:sp>
             <p:nvSpPr>
               <p:cNvPr id="3" name="Content Placeholder 2">
@@ -8307,7 +8429,7 @@
             <a:pPr lvl="1"/>
             <a:r>
               <a:rPr lang="en-US" dirty="0"/>
-              <a:t>‘Z’ shifted by 3 is index 3, or ‘C’</a:t>
+              <a:t>‘Z’ shifted by 3 is index 2, or ‘C’</a:t>
             </a:r>
           </a:p>
           <a:p>
@@ -8910,6 +9032,47 @@
           </a:prstGeom>
         </p:spPr>
       </p:pic>
+      <p:sp>
+        <p:nvSpPr>
+          <p:cNvPr id="5" name="TextBox 4">
+            <a:extLst>
+              <a:ext uri="{FF2B5EF4-FFF2-40B4-BE49-F238E27FC236}">
+                <a16:creationId xmlns:a16="http://schemas.microsoft.com/office/drawing/2014/main" id="{E120B430-56C8-4441-A118-5011D3F4E343}"/>
+              </a:ext>
+            </a:extLst>
+          </p:cNvPr>
+          <p:cNvSpPr txBox="1"/>
+          <p:nvPr/>
+        </p:nvSpPr>
+        <p:spPr>
+          <a:xfrm>
+            <a:off x="5484246" y="5910779"/>
+            <a:ext cx="3172178" cy="307777"/>
+          </a:xfrm>
+          <a:prstGeom prst="rect">
+            <a:avLst/>
+          </a:prstGeom>
+          <a:noFill/>
+        </p:spPr>
+        <p:txBody>
+          <a:bodyPr wrap="square" rtlCol="0">
+            <a:spAutoFit/>
+          </a:bodyPr>
+          <a:lstStyle/>
+          <a:p>
+            <a:r>
+              <a:rPr lang="en-US" sz="1400" dirty="0">
+                <a:hlinkClick r:id="rId4"/>
+              </a:rPr>
+              <a:t>https://inventwithpython.com/cracking/</a:t>
+            </a:r>
+            <a:r>
+              <a:rPr lang="en-US" sz="1400" dirty="0"/>
+              <a:t> </a:t>
+            </a:r>
+          </a:p>
+        </p:txBody>
+      </p:sp>
     </p:spTree>
     <p:extLst>
       <p:ext uri="{BB962C8B-B14F-4D97-AF65-F5344CB8AC3E}">
@@ -9207,7 +9370,7 @@
           <a:p>
             <a:r>
               <a:rPr lang="en-US" dirty="0"/>
-              <a:t>When Multiplicative Inverse does not exist, multiplication does not give a unique answer—remember Affine cipher</a:t>
+              <a:t>When Multiplicative Inverse does not exist, multiplication does not give a unique answer—remember Affine cipher, mod 26</a:t>
             </a:r>
           </a:p>
           <a:p>
